--- a/Techvocates_Devfolio.pptx
+++ b/Techvocates_Devfolio.pptx
@@ -12679,7 +12679,7 @@
                 <a:latin typeface="Calibri" panose="020F0502020204030204" pitchFamily="34" charset="0"/>
                 <a:cs typeface="Calibri" panose="020F0502020204030204" pitchFamily="34" charset="0"/>
               </a:rPr>
-              <a:t>Generative AI(Llama2)</a:t>
+              <a:t>Generative AI</a:t>
             </a:r>
             <a:r>
               <a:rPr lang="en-IN" sz="2400" b="0" i="0" u="none" strike="noStrike" dirty="0">
